--- a/Syllabus/Lecture10/Lec10.pptx
+++ b/Syllabus/Lecture10/Lec10.pptx
@@ -349,7 +349,7 @@
           <a:p>
             <a:fld id="{DF9C6931-D0F6-AB40-9D7F-95567148A5C2}" type="datetimeFigureOut">
               <a:rPr lang="en-US" smtClean="0"/>
-              <a:t>9/23/2021</a:t>
+              <a:t>11/10/21</a:t>
             </a:fld>
             <a:endParaRPr lang="en-US"/>
           </a:p>
@@ -553,7 +553,7 @@
           <a:p>
             <a:fld id="{736C18F2-6801-5147-A332-A6E1C7D69D18}" type="datetimeFigureOut">
               <a:rPr lang="en-US" smtClean="0"/>
-              <a:t>9/23/2021</a:t>
+              <a:t>11/10/21</a:t>
             </a:fld>
             <a:endParaRPr lang="en-US"/>
           </a:p>
@@ -29665,7 +29665,7 @@
           <a:graphicData uri="http://schemas.openxmlformats.org/presentationml/2006/ole">
             <mc:AlternateContent xmlns:mc="http://schemas.openxmlformats.org/markup-compatibility/2006">
               <mc:Choice xmlns:v="urn:schemas-microsoft-com:vml" Requires="v">
-                <p:oleObj spid="_x0000_s34821" r:id="rId4" imgW="5829300" imgH="6896100" progId="Word.Document.8">
+                <p:oleObj spid="_x0000_s34822" r:id="rId4" imgW="5829300" imgH="6896100" progId="Word.Document.8">
                   <p:embed/>
                 </p:oleObj>
               </mc:Choice>
